--- a/reese/Adoption_Presentation.pptx
+++ b/reese/Adoption_Presentation.pptx
@@ -5,7 +5,7 @@
     <p:sldMasterId id="2147483660" r:id="rId1"/>
   </p:sldMasterIdLst>
   <p:notesMasterIdLst>
-    <p:notesMasterId r:id="rId8"/>
+    <p:notesMasterId r:id="rId19"/>
   </p:notesMasterIdLst>
   <p:sldIdLst>
     <p:sldId id="256" r:id="rId2"/>
@@ -13,7 +13,18 @@
     <p:sldId id="258" r:id="rId4"/>
     <p:sldId id="259" r:id="rId5"/>
     <p:sldId id="260" r:id="rId6"/>
-    <p:sldId id="261" r:id="rId7"/>
+    <p:sldId id="262" r:id="rId7"/>
+    <p:sldId id="263" r:id="rId8"/>
+    <p:sldId id="264" r:id="rId9"/>
+    <p:sldId id="265" r:id="rId10"/>
+    <p:sldId id="266" r:id="rId11"/>
+    <p:sldId id="267" r:id="rId12"/>
+    <p:sldId id="268" r:id="rId13"/>
+    <p:sldId id="270" r:id="rId14"/>
+    <p:sldId id="271" r:id="rId15"/>
+    <p:sldId id="272" r:id="rId16"/>
+    <p:sldId id="273" r:id="rId17"/>
+    <p:sldId id="261" r:id="rId18"/>
   </p:sldIdLst>
   <p:sldSz cx="9144000" cy="6858000" type="screen4x3"/>
   <p:notesSz cx="6858000" cy="9144000"/>
@@ -4081,6 +4092,841 @@
 </p:sld>
 </file>
 
+<file path=ppt/slides/slide10.xml><?xml version="1.0" encoding="utf-8"?>
+<p:sld xmlns:a="http://schemas.openxmlformats.org/drawingml/2006/main" xmlns:r="http://schemas.openxmlformats.org/officeDocument/2006/relationships" xmlns:p="http://schemas.openxmlformats.org/presentationml/2006/main">
+  <p:cSld>
+    <p:spTree>
+      <p:nvGrpSpPr>
+        <p:cNvPr id="1" name=""/>
+        <p:cNvGrpSpPr/>
+        <p:nvPr/>
+      </p:nvGrpSpPr>
+      <p:grpSpPr>
+        <a:xfrm>
+          <a:off x="0" y="0"/>
+          <a:ext cx="0" cy="0"/>
+          <a:chOff x="0" y="0"/>
+          <a:chExt cx="0" cy="0"/>
+        </a:xfrm>
+      </p:grpSpPr>
+      <p:sp>
+        <p:nvSpPr>
+          <p:cNvPr id="2" name="Title 1"/>
+          <p:cNvSpPr>
+            <a:spLocks noGrp="1"/>
+          </p:cNvSpPr>
+          <p:nvPr>
+            <p:ph type="title"/>
+          </p:nvPr>
+        </p:nvSpPr>
+        <p:spPr/>
+        <p:txBody>
+          <a:bodyPr/>
+          <a:lstStyle/>
+          <a:p>
+            <a:r>
+              <a:rPr lang="en-US" dirty="0" smtClean="0"/>
+              <a:t>Intl Analysis Continued</a:t>
+            </a:r>
+            <a:endParaRPr lang="en-US" dirty="0"/>
+          </a:p>
+        </p:txBody>
+      </p:sp>
+      <p:pic>
+        <p:nvPicPr>
+          <p:cNvPr id="5" name="Picture 4"/>
+          <p:cNvPicPr>
+            <a:picLocks noChangeAspect="1"/>
+          </p:cNvPicPr>
+          <p:nvPr/>
+        </p:nvPicPr>
+        <p:blipFill>
+          <a:blip r:embed="rId2"/>
+          <a:stretch>
+            <a:fillRect/>
+          </a:stretch>
+        </p:blipFill>
+        <p:spPr>
+          <a:xfrm>
+            <a:off x="0" y="1622041"/>
+            <a:ext cx="9144000" cy="5062583"/>
+          </a:xfrm>
+          <a:prstGeom prst="rect">
+            <a:avLst/>
+          </a:prstGeom>
+        </p:spPr>
+      </p:pic>
+    </p:spTree>
+    <p:extLst>
+      <p:ext uri="{BB962C8B-B14F-4D97-AF65-F5344CB8AC3E}">
+        <p14:creationId xmlns:p14="http://schemas.microsoft.com/office/powerpoint/2010/main" val="1920913111"/>
+      </p:ext>
+    </p:extLst>
+  </p:cSld>
+  <p:clrMapOvr>
+    <a:masterClrMapping/>
+  </p:clrMapOvr>
+</p:sld>
+</file>
+
+<file path=ppt/slides/slide11.xml><?xml version="1.0" encoding="utf-8"?>
+<p:sld xmlns:a="http://schemas.openxmlformats.org/drawingml/2006/main" xmlns:r="http://schemas.openxmlformats.org/officeDocument/2006/relationships" xmlns:p="http://schemas.openxmlformats.org/presentationml/2006/main">
+  <p:cSld>
+    <p:spTree>
+      <p:nvGrpSpPr>
+        <p:cNvPr id="1" name=""/>
+        <p:cNvGrpSpPr/>
+        <p:nvPr/>
+      </p:nvGrpSpPr>
+      <p:grpSpPr>
+        <a:xfrm>
+          <a:off x="0" y="0"/>
+          <a:ext cx="0" cy="0"/>
+          <a:chOff x="0" y="0"/>
+          <a:chExt cx="0" cy="0"/>
+        </a:xfrm>
+      </p:grpSpPr>
+      <p:sp>
+        <p:nvSpPr>
+          <p:cNvPr id="2" name="Title 1"/>
+          <p:cNvSpPr>
+            <a:spLocks noGrp="1"/>
+          </p:cNvSpPr>
+          <p:nvPr>
+            <p:ph type="title"/>
+          </p:nvPr>
+        </p:nvSpPr>
+        <p:spPr/>
+        <p:txBody>
+          <a:bodyPr/>
+          <a:lstStyle/>
+          <a:p>
+            <a:r>
+              <a:rPr lang="en-US" dirty="0" smtClean="0"/>
+              <a:t>Evaluation</a:t>
+            </a:r>
+            <a:endParaRPr lang="en-US" dirty="0"/>
+          </a:p>
+        </p:txBody>
+      </p:sp>
+      <p:sp>
+        <p:nvSpPr>
+          <p:cNvPr id="3" name="Content Placeholder 2"/>
+          <p:cNvSpPr>
+            <a:spLocks noGrp="1"/>
+          </p:cNvSpPr>
+          <p:nvPr>
+            <p:ph idx="1"/>
+          </p:nvPr>
+        </p:nvSpPr>
+        <p:spPr/>
+        <p:txBody>
+          <a:bodyPr/>
+          <a:lstStyle/>
+          <a:p>
+            <a:r>
+              <a:rPr lang="en-US" dirty="0" smtClean="0"/>
+              <a:t>Silhouette Coefficient:</a:t>
+            </a:r>
+            <a:endParaRPr lang="en-US" dirty="0"/>
+          </a:p>
+        </p:txBody>
+      </p:sp>
+      <p:graphicFrame>
+        <p:nvGraphicFramePr>
+          <p:cNvPr id="5" name="Object 4"/>
+          <p:cNvGraphicFramePr>
+            <a:graphicFrameLocks noChangeAspect="1"/>
+          </p:cNvGraphicFramePr>
+          <p:nvPr>
+            <p:extLst>
+              <p:ext uri="{D42A27DB-BD31-4B8C-83A1-F6EECF244321}">
+                <p14:modId xmlns:p14="http://schemas.microsoft.com/office/powerpoint/2010/main" val="1646940762"/>
+              </p:ext>
+            </p:extLst>
+          </p:nvPr>
+        </p:nvGraphicFramePr>
+        <p:xfrm>
+          <a:off x="2438927" y="2103368"/>
+          <a:ext cx="3801593" cy="1583361"/>
+        </p:xfrm>
+        <a:graphic>
+          <a:graphicData uri="http://schemas.openxmlformats.org/presentationml/2006/ole">
+            <mc:AlternateContent xmlns:mc="http://schemas.openxmlformats.org/markup-compatibility/2006">
+              <mc:Choice xmlns:v="urn:schemas-microsoft-com:vml" Requires="v">
+                <p:oleObj spid="_x0000_s1030" name="Equation" r:id="rId3" imgW="990360" imgH="419040" progId="Equation.3">
+                  <p:embed/>
+                </p:oleObj>
+              </mc:Choice>
+              <mc:Fallback>
+                <p:oleObj name="Equation" r:id="rId3" imgW="990360" imgH="419040" progId="Equation.3">
+                  <p:embed/>
+                  <p:pic>
+                    <p:nvPicPr>
+                      <p:cNvPr id="0" name=""/>
+                      <p:cNvPicPr>
+                        <a:picLocks noChangeAspect="1" noChangeArrowheads="1"/>
+                      </p:cNvPicPr>
+                      <p:nvPr/>
+                    </p:nvPicPr>
+                    <p:blipFill>
+                      <a:blip r:embed="rId4"/>
+                      <a:srcRect/>
+                      <a:stretch>
+                        <a:fillRect/>
+                      </a:stretch>
+                    </p:blipFill>
+                    <p:spPr bwMode="auto">
+                      <a:xfrm>
+                        <a:off x="2438927" y="2103368"/>
+                        <a:ext cx="3801593" cy="1583361"/>
+                      </a:xfrm>
+                      <a:prstGeom prst="rect">
+                        <a:avLst/>
+                      </a:prstGeom>
+                      <a:noFill/>
+                      <a:ln>
+                        <a:noFill/>
+                      </a:ln>
+                      <a:extLst/>
+                    </p:spPr>
+                  </p:pic>
+                </p:oleObj>
+              </mc:Fallback>
+            </mc:AlternateContent>
+          </a:graphicData>
+        </a:graphic>
+      </p:graphicFrame>
+      <p:sp>
+        <p:nvSpPr>
+          <p:cNvPr id="6" name="TextBox 5"/>
+          <p:cNvSpPr txBox="1"/>
+          <p:nvPr/>
+        </p:nvSpPr>
+        <p:spPr>
+          <a:xfrm>
+            <a:off x="273125" y="4178294"/>
+            <a:ext cx="8893856" cy="1477328"/>
+          </a:xfrm>
+          <a:prstGeom prst="rect">
+            <a:avLst/>
+          </a:prstGeom>
+          <a:noFill/>
+        </p:spPr>
+        <p:txBody>
+          <a:bodyPr wrap="none" rtlCol="0">
+            <a:spAutoFit/>
+          </a:bodyPr>
+          <a:lstStyle/>
+          <a:p>
+            <a:r>
+              <a:rPr lang="en-US" dirty="0" smtClean="0"/>
+              <a:t>We got ~.57, but it seems like the only data that mattered was the median cost</a:t>
+            </a:r>
+          </a:p>
+          <a:p>
+            <a:endParaRPr lang="en-US" dirty="0"/>
+          </a:p>
+          <a:p>
+            <a:endParaRPr lang="en-US" dirty="0" smtClean="0"/>
+          </a:p>
+          <a:p>
+            <a:r>
+              <a:rPr lang="en-US" dirty="0" smtClean="0"/>
+              <a:t>Scaling issue. When data was rescaled, silhouette coefficient came out to be -.3</a:t>
+            </a:r>
+          </a:p>
+          <a:p>
+            <a:r>
+              <a:rPr lang="en-US" dirty="0" smtClean="0"/>
+              <a:t>This implies that clusters overlap, which is not particularly helpful.</a:t>
+            </a:r>
+            <a:endParaRPr lang="en-US" dirty="0"/>
+          </a:p>
+        </p:txBody>
+      </p:sp>
+    </p:spTree>
+    <p:extLst>
+      <p:ext uri="{BB962C8B-B14F-4D97-AF65-F5344CB8AC3E}">
+        <p14:creationId xmlns:p14="http://schemas.microsoft.com/office/powerpoint/2010/main" val="1351122847"/>
+      </p:ext>
+    </p:extLst>
+  </p:cSld>
+  <p:clrMapOvr>
+    <a:masterClrMapping/>
+  </p:clrMapOvr>
+</p:sld>
+</file>
+
+<file path=ppt/slides/slide12.xml><?xml version="1.0" encoding="utf-8"?>
+<p:sld xmlns:a="http://schemas.openxmlformats.org/drawingml/2006/main" xmlns:r="http://schemas.openxmlformats.org/officeDocument/2006/relationships" xmlns:p="http://schemas.openxmlformats.org/presentationml/2006/main">
+  <p:cSld>
+    <p:spTree>
+      <p:nvGrpSpPr>
+        <p:cNvPr id="1" name=""/>
+        <p:cNvGrpSpPr/>
+        <p:nvPr/>
+      </p:nvGrpSpPr>
+      <p:grpSpPr>
+        <a:xfrm>
+          <a:off x="0" y="0"/>
+          <a:ext cx="0" cy="0"/>
+          <a:chOff x="0" y="0"/>
+          <a:chExt cx="0" cy="0"/>
+        </a:xfrm>
+      </p:grpSpPr>
+      <p:pic>
+        <p:nvPicPr>
+          <p:cNvPr id="4" name="Picture 3" descr="figure_1.png"/>
+          <p:cNvPicPr>
+            <a:picLocks noChangeAspect="1"/>
+          </p:cNvPicPr>
+          <p:nvPr/>
+        </p:nvPicPr>
+        <p:blipFill>
+          <a:blip r:embed="rId2">
+            <a:extLst>
+              <a:ext uri="{28A0092B-C50C-407E-A947-70E740481C1C}">
+                <a14:useLocalDpi xmlns:a14="http://schemas.microsoft.com/office/drawing/2010/main" val="0"/>
+              </a:ext>
+            </a:extLst>
+          </a:blip>
+          <a:stretch>
+            <a:fillRect/>
+          </a:stretch>
+        </p:blipFill>
+        <p:spPr>
+          <a:xfrm>
+            <a:off x="914400" y="685800"/>
+            <a:ext cx="7315200" cy="5486400"/>
+          </a:xfrm>
+          <a:prstGeom prst="rect">
+            <a:avLst/>
+          </a:prstGeom>
+        </p:spPr>
+      </p:pic>
+    </p:spTree>
+    <p:extLst>
+      <p:ext uri="{BB962C8B-B14F-4D97-AF65-F5344CB8AC3E}">
+        <p14:creationId xmlns:p14="http://schemas.microsoft.com/office/powerpoint/2010/main" val="1495061993"/>
+      </p:ext>
+    </p:extLst>
+  </p:cSld>
+  <p:clrMapOvr>
+    <a:masterClrMapping/>
+  </p:clrMapOvr>
+</p:sld>
+</file>
+
+<file path=ppt/slides/slide13.xml><?xml version="1.0" encoding="utf-8"?>
+<p:sld xmlns:a="http://schemas.openxmlformats.org/drawingml/2006/main" xmlns:r="http://schemas.openxmlformats.org/officeDocument/2006/relationships" xmlns:p="http://schemas.openxmlformats.org/presentationml/2006/main">
+  <p:cSld>
+    <p:spTree>
+      <p:nvGrpSpPr>
+        <p:cNvPr id="1" name=""/>
+        <p:cNvGrpSpPr/>
+        <p:nvPr/>
+      </p:nvGrpSpPr>
+      <p:grpSpPr>
+        <a:xfrm>
+          <a:off x="0" y="0"/>
+          <a:ext cx="0" cy="0"/>
+          <a:chOff x="0" y="0"/>
+          <a:chExt cx="0" cy="0"/>
+        </a:xfrm>
+      </p:grpSpPr>
+      <p:sp>
+        <p:nvSpPr>
+          <p:cNvPr id="2" name="Title 1"/>
+          <p:cNvSpPr>
+            <a:spLocks noGrp="1"/>
+          </p:cNvSpPr>
+          <p:nvPr>
+            <p:ph type="title"/>
+          </p:nvPr>
+        </p:nvSpPr>
+        <p:spPr/>
+        <p:txBody>
+          <a:bodyPr/>
+          <a:lstStyle/>
+          <a:p>
+            <a:r>
+              <a:rPr lang="en-US" dirty="0" smtClean="0"/>
+              <a:t>Domestic Adoption</a:t>
+            </a:r>
+            <a:endParaRPr lang="en-US" dirty="0"/>
+          </a:p>
+        </p:txBody>
+      </p:sp>
+      <p:sp>
+        <p:nvSpPr>
+          <p:cNvPr id="3" name="Content Placeholder 2"/>
+          <p:cNvSpPr>
+            <a:spLocks noGrp="1"/>
+          </p:cNvSpPr>
+          <p:nvPr>
+            <p:ph idx="1"/>
+          </p:nvPr>
+        </p:nvSpPr>
+        <p:spPr/>
+        <p:txBody>
+          <a:bodyPr/>
+          <a:lstStyle/>
+          <a:p>
+            <a:r>
+              <a:rPr lang="en-US" dirty="0" smtClean="0"/>
+              <a:t>Much more data available from Department of Health &amp; Human Services</a:t>
+            </a:r>
+          </a:p>
+          <a:p>
+            <a:pPr lvl="1"/>
+            <a:r>
+              <a:rPr lang="en-US" dirty="0" smtClean="0"/>
+              <a:t>Age</a:t>
+            </a:r>
+          </a:p>
+          <a:p>
+            <a:pPr lvl="1"/>
+            <a:r>
+              <a:rPr lang="en-US" dirty="0" smtClean="0"/>
+              <a:t>Gender</a:t>
+            </a:r>
+          </a:p>
+          <a:p>
+            <a:pPr lvl="1"/>
+            <a:r>
+              <a:rPr lang="en-US" dirty="0" smtClean="0"/>
+              <a:t>Special Needs</a:t>
+            </a:r>
+          </a:p>
+          <a:p>
+            <a:pPr lvl="1"/>
+            <a:r>
+              <a:rPr lang="en-US" dirty="0" smtClean="0"/>
+              <a:t>Subsidy</a:t>
+            </a:r>
+          </a:p>
+          <a:p>
+            <a:pPr lvl="1"/>
+            <a:r>
+              <a:rPr lang="en-US" dirty="0" smtClean="0"/>
+              <a:t>Involvement of Relatives</a:t>
+            </a:r>
+          </a:p>
+          <a:p>
+            <a:pPr lvl="1"/>
+            <a:r>
+              <a:rPr lang="en-US" dirty="0" smtClean="0"/>
+              <a:t>Time between termination of parental rights &amp; adoption</a:t>
+            </a:r>
+            <a:endParaRPr lang="en-US" dirty="0"/>
+          </a:p>
+        </p:txBody>
+      </p:sp>
+    </p:spTree>
+    <p:extLst>
+      <p:ext uri="{BB962C8B-B14F-4D97-AF65-F5344CB8AC3E}">
+        <p14:creationId xmlns:p14="http://schemas.microsoft.com/office/powerpoint/2010/main" val="1701527836"/>
+      </p:ext>
+    </p:extLst>
+  </p:cSld>
+  <p:clrMapOvr>
+    <a:masterClrMapping/>
+  </p:clrMapOvr>
+</p:sld>
+</file>
+
+<file path=ppt/slides/slide14.xml><?xml version="1.0" encoding="utf-8"?>
+<p:sld xmlns:a="http://schemas.openxmlformats.org/drawingml/2006/main" xmlns:r="http://schemas.openxmlformats.org/officeDocument/2006/relationships" xmlns:p="http://schemas.openxmlformats.org/presentationml/2006/main">
+  <p:cSld>
+    <p:spTree>
+      <p:nvGrpSpPr>
+        <p:cNvPr id="1" name=""/>
+        <p:cNvGrpSpPr/>
+        <p:nvPr/>
+      </p:nvGrpSpPr>
+      <p:grpSpPr>
+        <a:xfrm>
+          <a:off x="0" y="0"/>
+          <a:ext cx="0" cy="0"/>
+          <a:chOff x="0" y="0"/>
+          <a:chExt cx="0" cy="0"/>
+        </a:xfrm>
+      </p:grpSpPr>
+      <p:sp>
+        <p:nvSpPr>
+          <p:cNvPr id="2" name="Title 1"/>
+          <p:cNvSpPr>
+            <a:spLocks noGrp="1"/>
+          </p:cNvSpPr>
+          <p:nvPr>
+            <p:ph type="title"/>
+          </p:nvPr>
+        </p:nvSpPr>
+        <p:spPr/>
+        <p:txBody>
+          <a:bodyPr/>
+          <a:lstStyle/>
+          <a:p>
+            <a:r>
+              <a:rPr lang="en-US" dirty="0" smtClean="0"/>
+              <a:t>Cleanup</a:t>
+            </a:r>
+            <a:endParaRPr lang="en-US" dirty="0"/>
+          </a:p>
+        </p:txBody>
+      </p:sp>
+      <p:sp>
+        <p:nvSpPr>
+          <p:cNvPr id="3" name="Content Placeholder 2"/>
+          <p:cNvSpPr>
+            <a:spLocks noGrp="1"/>
+          </p:cNvSpPr>
+          <p:nvPr>
+            <p:ph idx="1"/>
+          </p:nvPr>
+        </p:nvSpPr>
+        <p:spPr/>
+        <p:txBody>
+          <a:bodyPr/>
+          <a:lstStyle/>
+          <a:p>
+            <a:r>
+              <a:rPr lang="en-US" dirty="0" smtClean="0"/>
+              <a:t>Replace spaces in column headers</a:t>
+            </a:r>
+          </a:p>
+          <a:p>
+            <a:r>
+              <a:rPr lang="en-US" dirty="0" smtClean="0"/>
+              <a:t>Multiple CSVs had a “totals” column.</a:t>
+            </a:r>
+          </a:p>
+          <a:p>
+            <a:r>
+              <a:rPr lang="en-US" dirty="0" smtClean="0"/>
+              <a:t>Numerical data is in string form</a:t>
+            </a:r>
+          </a:p>
+          <a:p>
+            <a:r>
+              <a:rPr lang="en-US" dirty="0" smtClean="0"/>
+              <a:t>Data is given in percentages, making each “totals” column important, as they’re not all the same</a:t>
+            </a:r>
+          </a:p>
+          <a:p>
+            <a:pPr lvl="1"/>
+            <a:r>
+              <a:rPr lang="en-US" dirty="0" smtClean="0"/>
+              <a:t>Ultimately opted to just eliminate totals and focus on proportions, add Totals back in later.</a:t>
+            </a:r>
+            <a:endParaRPr lang="en-US" dirty="0"/>
+          </a:p>
+        </p:txBody>
+      </p:sp>
+    </p:spTree>
+    <p:extLst>
+      <p:ext uri="{BB962C8B-B14F-4D97-AF65-F5344CB8AC3E}">
+        <p14:creationId xmlns:p14="http://schemas.microsoft.com/office/powerpoint/2010/main" val="2142587192"/>
+      </p:ext>
+    </p:extLst>
+  </p:cSld>
+  <p:clrMapOvr>
+    <a:masterClrMapping/>
+  </p:clrMapOvr>
+</p:sld>
+</file>
+
+<file path=ppt/slides/slide15.xml><?xml version="1.0" encoding="utf-8"?>
+<p:sld xmlns:a="http://schemas.openxmlformats.org/drawingml/2006/main" xmlns:r="http://schemas.openxmlformats.org/officeDocument/2006/relationships" xmlns:p="http://schemas.openxmlformats.org/presentationml/2006/main">
+  <p:cSld>
+    <p:spTree>
+      <p:nvGrpSpPr>
+        <p:cNvPr id="1" name=""/>
+        <p:cNvGrpSpPr/>
+        <p:nvPr/>
+      </p:nvGrpSpPr>
+      <p:grpSpPr>
+        <a:xfrm>
+          <a:off x="0" y="0"/>
+          <a:ext cx="0" cy="0"/>
+          <a:chOff x="0" y="0"/>
+          <a:chExt cx="0" cy="0"/>
+        </a:xfrm>
+      </p:grpSpPr>
+      <p:sp>
+        <p:nvSpPr>
+          <p:cNvPr id="2" name="Title 1"/>
+          <p:cNvSpPr>
+            <a:spLocks noGrp="1"/>
+          </p:cNvSpPr>
+          <p:nvPr>
+            <p:ph type="title"/>
+          </p:nvPr>
+        </p:nvSpPr>
+        <p:spPr/>
+        <p:txBody>
+          <a:bodyPr/>
+          <a:lstStyle/>
+          <a:p>
+            <a:r>
+              <a:rPr lang="en-US" dirty="0" smtClean="0"/>
+              <a:t>Preliminary Exploration</a:t>
+            </a:r>
+            <a:endParaRPr lang="en-US" dirty="0"/>
+          </a:p>
+        </p:txBody>
+      </p:sp>
+      <p:pic>
+        <p:nvPicPr>
+          <p:cNvPr id="5" name="Picture 4" descr="figure_1.png"/>
+          <p:cNvPicPr>
+            <a:picLocks noChangeAspect="1"/>
+          </p:cNvPicPr>
+          <p:nvPr/>
+        </p:nvPicPr>
+        <p:blipFill>
+          <a:blip r:embed="rId2">
+            <a:extLst>
+              <a:ext uri="{28A0092B-C50C-407E-A947-70E740481C1C}">
+                <a14:useLocalDpi xmlns:a14="http://schemas.microsoft.com/office/drawing/2010/main" val="0"/>
+              </a:ext>
+            </a:extLst>
+          </a:blip>
+          <a:stretch>
+            <a:fillRect/>
+          </a:stretch>
+        </p:blipFill>
+        <p:spPr>
+          <a:xfrm>
+            <a:off x="1297263" y="1700061"/>
+            <a:ext cx="6727505" cy="5045629"/>
+          </a:xfrm>
+          <a:prstGeom prst="rect">
+            <a:avLst/>
+          </a:prstGeom>
+        </p:spPr>
+      </p:pic>
+    </p:spTree>
+    <p:extLst>
+      <p:ext uri="{BB962C8B-B14F-4D97-AF65-F5344CB8AC3E}">
+        <p14:creationId xmlns:p14="http://schemas.microsoft.com/office/powerpoint/2010/main" val="1452453012"/>
+      </p:ext>
+    </p:extLst>
+  </p:cSld>
+  <p:clrMapOvr>
+    <a:masterClrMapping/>
+  </p:clrMapOvr>
+</p:sld>
+</file>
+
+<file path=ppt/slides/slide16.xml><?xml version="1.0" encoding="utf-8"?>
+<p:sld xmlns:a="http://schemas.openxmlformats.org/drawingml/2006/main" xmlns:r="http://schemas.openxmlformats.org/officeDocument/2006/relationships" xmlns:p="http://schemas.openxmlformats.org/presentationml/2006/main">
+  <p:cSld>
+    <p:spTree>
+      <p:nvGrpSpPr>
+        <p:cNvPr id="1" name=""/>
+        <p:cNvGrpSpPr/>
+        <p:nvPr/>
+      </p:nvGrpSpPr>
+      <p:grpSpPr>
+        <a:xfrm>
+          <a:off x="0" y="0"/>
+          <a:ext cx="0" cy="0"/>
+          <a:chOff x="0" y="0"/>
+          <a:chExt cx="0" cy="0"/>
+        </a:xfrm>
+      </p:grpSpPr>
+      <p:sp>
+        <p:nvSpPr>
+          <p:cNvPr id="2" name="Title 1"/>
+          <p:cNvSpPr>
+            <a:spLocks noGrp="1"/>
+          </p:cNvSpPr>
+          <p:nvPr>
+            <p:ph type="title"/>
+          </p:nvPr>
+        </p:nvSpPr>
+        <p:spPr>
+          <a:xfrm>
+            <a:off x="549275" y="-384004"/>
+            <a:ext cx="8042276" cy="1336956"/>
+          </a:xfrm>
+        </p:spPr>
+        <p:txBody>
+          <a:bodyPr/>
+          <a:lstStyle/>
+          <a:p>
+            <a:r>
+              <a:rPr lang="en-US" dirty="0" smtClean="0"/>
+              <a:t>By Race</a:t>
+            </a:r>
+            <a:endParaRPr lang="en-US" dirty="0"/>
+          </a:p>
+        </p:txBody>
+      </p:sp>
+      <p:pic>
+        <p:nvPicPr>
+          <p:cNvPr id="4" name="Picture 3" descr="figure_1.png"/>
+          <p:cNvPicPr>
+            <a:picLocks noChangeAspect="1"/>
+          </p:cNvPicPr>
+          <p:nvPr/>
+        </p:nvPicPr>
+        <p:blipFill>
+          <a:blip r:embed="rId2">
+            <a:extLst>
+              <a:ext uri="{28A0092B-C50C-407E-A947-70E740481C1C}">
+                <a14:useLocalDpi xmlns:a14="http://schemas.microsoft.com/office/drawing/2010/main" val="0"/>
+              </a:ext>
+            </a:extLst>
+          </a:blip>
+          <a:stretch>
+            <a:fillRect/>
+          </a:stretch>
+        </p:blipFill>
+        <p:spPr>
+          <a:xfrm>
+            <a:off x="1133407" y="973589"/>
+            <a:ext cx="6745769" cy="5843446"/>
+          </a:xfrm>
+          <a:prstGeom prst="rect">
+            <a:avLst/>
+          </a:prstGeom>
+        </p:spPr>
+      </p:pic>
+    </p:spTree>
+    <p:extLst>
+      <p:ext uri="{BB962C8B-B14F-4D97-AF65-F5344CB8AC3E}">
+        <p14:creationId xmlns:p14="http://schemas.microsoft.com/office/powerpoint/2010/main" val="97884011"/>
+      </p:ext>
+    </p:extLst>
+  </p:cSld>
+  <p:clrMapOvr>
+    <a:masterClrMapping/>
+  </p:clrMapOvr>
+</p:sld>
+</file>
+
+<file path=ppt/slides/slide17.xml><?xml version="1.0" encoding="utf-8"?>
+<p:sld xmlns:a="http://schemas.openxmlformats.org/drawingml/2006/main" xmlns:r="http://schemas.openxmlformats.org/officeDocument/2006/relationships" xmlns:p="http://schemas.openxmlformats.org/presentationml/2006/main">
+  <p:cSld>
+    <p:spTree>
+      <p:nvGrpSpPr>
+        <p:cNvPr id="1" name=""/>
+        <p:cNvGrpSpPr/>
+        <p:nvPr/>
+      </p:nvGrpSpPr>
+      <p:grpSpPr>
+        <a:xfrm>
+          <a:off x="0" y="0"/>
+          <a:ext cx="0" cy="0"/>
+          <a:chOff x="0" y="0"/>
+          <a:chExt cx="0" cy="0"/>
+        </a:xfrm>
+      </p:grpSpPr>
+      <p:sp>
+        <p:nvSpPr>
+          <p:cNvPr id="2" name="Title 1"/>
+          <p:cNvSpPr>
+            <a:spLocks noGrp="1"/>
+          </p:cNvSpPr>
+          <p:nvPr>
+            <p:ph type="title"/>
+          </p:nvPr>
+        </p:nvSpPr>
+        <p:spPr/>
+        <p:txBody>
+          <a:bodyPr/>
+          <a:lstStyle/>
+          <a:p>
+            <a:r>
+              <a:rPr lang="en-US" dirty="0" smtClean="0"/>
+              <a:t>Ideas to Investigate</a:t>
+            </a:r>
+            <a:endParaRPr lang="en-US" dirty="0"/>
+          </a:p>
+        </p:txBody>
+      </p:sp>
+      <p:sp>
+        <p:nvSpPr>
+          <p:cNvPr id="3" name="Content Placeholder 2"/>
+          <p:cNvSpPr>
+            <a:spLocks noGrp="1"/>
+          </p:cNvSpPr>
+          <p:nvPr>
+            <p:ph idx="1"/>
+          </p:nvPr>
+        </p:nvSpPr>
+        <p:spPr/>
+        <p:txBody>
+          <a:bodyPr/>
+          <a:lstStyle/>
+          <a:p>
+            <a:r>
+              <a:rPr lang="en-US" dirty="0" smtClean="0"/>
+              <a:t>Census Data</a:t>
+            </a:r>
+          </a:p>
+          <a:p>
+            <a:r>
+              <a:rPr lang="en-US" dirty="0" smtClean="0"/>
+              <a:t>Multi-year data</a:t>
+            </a:r>
+          </a:p>
+          <a:p>
+            <a:r>
+              <a:rPr lang="en-US" dirty="0" smtClean="0"/>
+              <a:t>Domestic Information</a:t>
+            </a:r>
+          </a:p>
+          <a:p>
+            <a:pPr lvl="1"/>
+            <a:r>
+              <a:rPr lang="en-US" dirty="0" smtClean="0"/>
+              <a:t>Subsidies</a:t>
+            </a:r>
+          </a:p>
+          <a:p>
+            <a:pPr lvl="1"/>
+            <a:r>
+              <a:rPr lang="en-US" dirty="0" smtClean="0"/>
+              <a:t>Relation to adoptive parent</a:t>
+            </a:r>
+          </a:p>
+          <a:p>
+            <a:pPr lvl="2"/>
+            <a:r>
+              <a:rPr lang="en-US" dirty="0" smtClean="0"/>
+              <a:t>Foster, blood, nonrelated</a:t>
+            </a:r>
+          </a:p>
+          <a:p>
+            <a:pPr lvl="1"/>
+            <a:r>
+              <a:rPr lang="en-US" dirty="0" smtClean="0"/>
+              <a:t>Disability</a:t>
+            </a:r>
+          </a:p>
+          <a:p>
+            <a:pPr lvl="1"/>
+            <a:endParaRPr lang="en-US" dirty="0"/>
+          </a:p>
+        </p:txBody>
+      </p:sp>
+    </p:spTree>
+    <p:extLst>
+      <p:ext uri="{BB962C8B-B14F-4D97-AF65-F5344CB8AC3E}">
+        <p14:creationId xmlns:p14="http://schemas.microsoft.com/office/powerpoint/2010/main" val="406537754"/>
+      </p:ext>
+    </p:extLst>
+  </p:cSld>
+  <p:clrMapOvr>
+    <a:masterClrMapping/>
+  </p:clrMapOvr>
+</p:sld>
+</file>
+
 <file path=ppt/slides/slide2.xml><?xml version="1.0" encoding="utf-8"?>
 <p:sld xmlns:a="http://schemas.openxmlformats.org/drawingml/2006/main" xmlns:r="http://schemas.openxmlformats.org/officeDocument/2006/relationships" xmlns:p="http://schemas.openxmlformats.org/presentationml/2006/main">
   <p:cSld>
@@ -4145,15 +4991,7 @@
             <a:pPr lvl="1"/>
             <a:r>
               <a:rPr lang="en-US" dirty="0" smtClean="0"/>
-              <a:t>US </a:t>
-            </a:r>
-            <a:r>
-              <a:rPr lang="en-US" dirty="0" err="1" smtClean="0"/>
-              <a:t>Departmentt</a:t>
-            </a:r>
-            <a:r>
-              <a:rPr lang="en-US" dirty="0" smtClean="0"/>
-              <a:t> of State</a:t>
+              <a:t>US Department of State</a:t>
             </a:r>
           </a:p>
           <a:p>
@@ -4676,7 +5514,7 @@
           <a:p>
             <a:r>
               <a:rPr lang="en-US" dirty="0" smtClean="0"/>
-              <a:t>Ideas to Investigate</a:t>
+              <a:t>International Adoption</a:t>
             </a:r>
             <a:endParaRPr lang="en-US" dirty="0"/>
           </a:p>
@@ -4699,68 +5537,398 @@
           <a:p>
             <a:r>
               <a:rPr lang="en-US" dirty="0" smtClean="0"/>
-              <a:t>Hague vs. Non-Hague statistics for </a:t>
-            </a:r>
-            <a:r>
-              <a:rPr lang="en-US" dirty="0" err="1" smtClean="0"/>
-              <a:t>intl</a:t>
-            </a:r>
-            <a:endParaRPr lang="en-US" dirty="0" smtClean="0"/>
-          </a:p>
-          <a:p>
+              <a:t>Country, Adoptions Finalized Domestically, Adoptions Finalized Abroad</a:t>
+            </a:r>
+          </a:p>
+          <a:p>
+            <a:pPr lvl="1"/>
             <a:r>
               <a:rPr lang="en-US" dirty="0" smtClean="0"/>
-              <a:t>Average cost for adoption</a:t>
-            </a:r>
-          </a:p>
-          <a:p>
+              <a:t>Hague Convention Countries also have:</a:t>
+            </a:r>
+          </a:p>
+          <a:p>
+            <a:pPr lvl="2"/>
             <a:r>
               <a:rPr lang="en-US" dirty="0" smtClean="0"/>
-              <a:t>Multi-year data</a:t>
-            </a:r>
-          </a:p>
-          <a:p>
-            <a:r>
-              <a:rPr lang="en-US" dirty="0" smtClean="0"/>
-              <a:t>Domestic Information</a:t>
-            </a:r>
-          </a:p>
-          <a:p>
-            <a:pPr lvl="1"/>
-            <a:r>
-              <a:rPr lang="en-US" dirty="0" smtClean="0"/>
-              <a:t>Race, gender, age</a:t>
-            </a:r>
-          </a:p>
-          <a:p>
-            <a:pPr lvl="1"/>
-            <a:r>
-              <a:rPr lang="en-US" dirty="0" smtClean="0"/>
-              <a:t>Disability</a:t>
-            </a:r>
-          </a:p>
-          <a:p>
-            <a:pPr lvl="1"/>
-            <a:r>
-              <a:rPr lang="en-US" dirty="0" smtClean="0"/>
-              <a:t>Relation to </a:t>
-            </a:r>
-            <a:r>
-              <a:rPr lang="en-US" smtClean="0"/>
-              <a:t>adoptive parent</a:t>
-            </a:r>
-            <a:endParaRPr lang="en-US" dirty="0" smtClean="0"/>
-          </a:p>
-          <a:p>
-            <a:pPr lvl="1"/>
+              <a:t>Average Days to Completion, Median Fees</a:t>
+            </a:r>
             <a:endParaRPr lang="en-US" dirty="0"/>
           </a:p>
         </p:txBody>
       </p:sp>
+      <p:pic>
+        <p:nvPicPr>
+          <p:cNvPr id="8" name="Picture 7"/>
+          <p:cNvPicPr>
+            <a:picLocks noChangeAspect="1"/>
+          </p:cNvPicPr>
+          <p:nvPr/>
+        </p:nvPicPr>
+        <p:blipFill>
+          <a:blip r:embed="rId2"/>
+          <a:stretch>
+            <a:fillRect/>
+          </a:stretch>
+        </p:blipFill>
+        <p:spPr>
+          <a:xfrm>
+            <a:off x="1495617" y="3318056"/>
+            <a:ext cx="5195531" cy="3266852"/>
+          </a:xfrm>
+          <a:prstGeom prst="rect">
+            <a:avLst/>
+          </a:prstGeom>
+        </p:spPr>
+      </p:pic>
     </p:spTree>
     <p:extLst>
       <p:ext uri="{BB962C8B-B14F-4D97-AF65-F5344CB8AC3E}">
-        <p14:creationId xmlns:p14="http://schemas.microsoft.com/office/powerpoint/2010/main" val="406537754"/>
+        <p14:creationId xmlns:p14="http://schemas.microsoft.com/office/powerpoint/2010/main" val="403350115"/>
+      </p:ext>
+    </p:extLst>
+  </p:cSld>
+  <p:clrMapOvr>
+    <a:masterClrMapping/>
+  </p:clrMapOvr>
+</p:sld>
+</file>
+
+<file path=ppt/slides/slide7.xml><?xml version="1.0" encoding="utf-8"?>
+<p:sld xmlns:a="http://schemas.openxmlformats.org/drawingml/2006/main" xmlns:r="http://schemas.openxmlformats.org/officeDocument/2006/relationships" xmlns:p="http://schemas.openxmlformats.org/presentationml/2006/main">
+  <p:cSld>
+    <p:spTree>
+      <p:nvGrpSpPr>
+        <p:cNvPr id="1" name=""/>
+        <p:cNvGrpSpPr/>
+        <p:nvPr/>
+      </p:nvGrpSpPr>
+      <p:grpSpPr>
+        <a:xfrm>
+          <a:off x="0" y="0"/>
+          <a:ext cx="0" cy="0"/>
+          <a:chOff x="0" y="0"/>
+          <a:chExt cx="0" cy="0"/>
+        </a:xfrm>
+      </p:grpSpPr>
+      <p:sp>
+        <p:nvSpPr>
+          <p:cNvPr id="2" name="Title 1"/>
+          <p:cNvSpPr>
+            <a:spLocks noGrp="1"/>
+          </p:cNvSpPr>
+          <p:nvPr>
+            <p:ph type="title"/>
+          </p:nvPr>
+        </p:nvSpPr>
+        <p:spPr/>
+        <p:txBody>
+          <a:bodyPr/>
+          <a:lstStyle/>
+          <a:p>
+            <a:r>
+              <a:rPr lang="en-US" dirty="0" smtClean="0"/>
+              <a:t>The Hague Convention</a:t>
+            </a:r>
+            <a:endParaRPr lang="en-US" dirty="0"/>
+          </a:p>
+        </p:txBody>
+      </p:sp>
+      <p:sp>
+        <p:nvSpPr>
+          <p:cNvPr id="3" name="Content Placeholder 2"/>
+          <p:cNvSpPr>
+            <a:spLocks noGrp="1"/>
+          </p:cNvSpPr>
+          <p:nvPr>
+            <p:ph idx="1"/>
+          </p:nvPr>
+        </p:nvSpPr>
+        <p:spPr/>
+        <p:txBody>
+          <a:bodyPr/>
+          <a:lstStyle/>
+          <a:p>
+            <a:r>
+              <a:rPr lang="en-US" dirty="0" smtClean="0"/>
+              <a:t>“</a:t>
+            </a:r>
+            <a:r>
+              <a:rPr lang="en-US" dirty="0"/>
+              <a:t>P</a:t>
+            </a:r>
+            <a:r>
+              <a:rPr lang="en-US" dirty="0" smtClean="0"/>
+              <a:t>rovides </a:t>
+            </a:r>
+            <a:r>
+              <a:rPr lang="en-US" dirty="0"/>
+              <a:t>a formal international and intergovernmental recognition of </a:t>
+            </a:r>
+            <a:r>
+              <a:rPr lang="en-US" dirty="0" err="1"/>
+              <a:t>intercountry</a:t>
+            </a:r>
+            <a:r>
+              <a:rPr lang="en-US" dirty="0"/>
+              <a:t> adoption to ensure that adoptions under the Convention will generally be recognized and given effect in other party countries</a:t>
+            </a:r>
+            <a:r>
+              <a:rPr lang="en-US" dirty="0" smtClean="0"/>
+              <a:t>.” </a:t>
+            </a:r>
+          </a:p>
+          <a:p>
+            <a:r>
+              <a:rPr lang="en-US" dirty="0" smtClean="0"/>
+              <a:t>More data available for some of these countries: Average Time to Completion &amp; Median Fees</a:t>
+            </a:r>
+            <a:endParaRPr lang="en-US" dirty="0"/>
+          </a:p>
+        </p:txBody>
+      </p:sp>
+    </p:spTree>
+    <p:extLst>
+      <p:ext uri="{BB962C8B-B14F-4D97-AF65-F5344CB8AC3E}">
+        <p14:creationId xmlns:p14="http://schemas.microsoft.com/office/powerpoint/2010/main" val="2969221796"/>
+      </p:ext>
+    </p:extLst>
+  </p:cSld>
+  <p:clrMapOvr>
+    <a:masterClrMapping/>
+  </p:clrMapOvr>
+</p:sld>
+</file>
+
+<file path=ppt/slides/slide8.xml><?xml version="1.0" encoding="utf-8"?>
+<p:sld xmlns:a="http://schemas.openxmlformats.org/drawingml/2006/main" xmlns:r="http://schemas.openxmlformats.org/officeDocument/2006/relationships" xmlns:p="http://schemas.openxmlformats.org/presentationml/2006/main">
+  <p:cSld>
+    <p:spTree>
+      <p:nvGrpSpPr>
+        <p:cNvPr id="1" name=""/>
+        <p:cNvGrpSpPr/>
+        <p:nvPr/>
+      </p:nvGrpSpPr>
+      <p:grpSpPr>
+        <a:xfrm>
+          <a:off x="0" y="0"/>
+          <a:ext cx="0" cy="0"/>
+          <a:chOff x="0" y="0"/>
+          <a:chExt cx="0" cy="0"/>
+        </a:xfrm>
+      </p:grpSpPr>
+      <p:sp>
+        <p:nvSpPr>
+          <p:cNvPr id="2" name="Title 1"/>
+          <p:cNvSpPr>
+            <a:spLocks noGrp="1"/>
+          </p:cNvSpPr>
+          <p:nvPr>
+            <p:ph type="title"/>
+          </p:nvPr>
+        </p:nvSpPr>
+        <p:spPr/>
+        <p:txBody>
+          <a:bodyPr/>
+          <a:lstStyle/>
+          <a:p>
+            <a:r>
+              <a:rPr lang="en-US" dirty="0" smtClean="0"/>
+              <a:t>Data Cleanup</a:t>
+            </a:r>
+            <a:endParaRPr lang="en-US" dirty="0"/>
+          </a:p>
+        </p:txBody>
+      </p:sp>
+      <p:sp>
+        <p:nvSpPr>
+          <p:cNvPr id="3" name="Content Placeholder 2"/>
+          <p:cNvSpPr>
+            <a:spLocks noGrp="1"/>
+          </p:cNvSpPr>
+          <p:nvPr>
+            <p:ph idx="1"/>
+          </p:nvPr>
+        </p:nvSpPr>
+        <p:spPr/>
+        <p:txBody>
+          <a:bodyPr/>
+          <a:lstStyle/>
+          <a:p>
+            <a:r>
+              <a:rPr lang="en-US" dirty="0" smtClean="0"/>
+              <a:t>Greece, Togo, and Guinea had null values for median fees. Replaced with the mean value.</a:t>
+            </a:r>
+          </a:p>
+          <a:p>
+            <a:r>
+              <a:rPr lang="en-US" dirty="0" smtClean="0"/>
+              <a:t>Scaling is off between fees and other variables. We’ll come back to this later</a:t>
+            </a:r>
+            <a:endParaRPr lang="en-US" dirty="0"/>
+          </a:p>
+        </p:txBody>
+      </p:sp>
+    </p:spTree>
+    <p:extLst>
+      <p:ext uri="{BB962C8B-B14F-4D97-AF65-F5344CB8AC3E}">
+        <p14:creationId xmlns:p14="http://schemas.microsoft.com/office/powerpoint/2010/main" val="746900911"/>
+      </p:ext>
+    </p:extLst>
+  </p:cSld>
+  <p:clrMapOvr>
+    <a:masterClrMapping/>
+  </p:clrMapOvr>
+</p:sld>
+</file>
+
+<file path=ppt/slides/slide9.xml><?xml version="1.0" encoding="utf-8"?>
+<p:sld xmlns:a="http://schemas.openxmlformats.org/drawingml/2006/main" xmlns:r="http://schemas.openxmlformats.org/officeDocument/2006/relationships" xmlns:p="http://schemas.openxmlformats.org/presentationml/2006/main">
+  <p:cSld>
+    <p:spTree>
+      <p:nvGrpSpPr>
+        <p:cNvPr id="1" name=""/>
+        <p:cNvGrpSpPr/>
+        <p:nvPr/>
+      </p:nvGrpSpPr>
+      <p:grpSpPr>
+        <a:xfrm>
+          <a:off x="0" y="0"/>
+          <a:ext cx="0" cy="0"/>
+          <a:chOff x="0" y="0"/>
+          <a:chExt cx="0" cy="0"/>
+        </a:xfrm>
+      </p:grpSpPr>
+      <p:sp>
+        <p:nvSpPr>
+          <p:cNvPr id="2" name="Title 1"/>
+          <p:cNvSpPr>
+            <a:spLocks noGrp="1"/>
+          </p:cNvSpPr>
+          <p:nvPr>
+            <p:ph type="title"/>
+          </p:nvPr>
+        </p:nvSpPr>
+        <p:spPr/>
+        <p:txBody>
+          <a:bodyPr/>
+          <a:lstStyle/>
+          <a:p>
+            <a:r>
+              <a:rPr lang="en-US" dirty="0" smtClean="0"/>
+              <a:t>Intl Analysis</a:t>
+            </a:r>
+            <a:endParaRPr lang="en-US" dirty="0"/>
+          </a:p>
+        </p:txBody>
+      </p:sp>
+      <p:sp>
+        <p:nvSpPr>
+          <p:cNvPr id="3" name="Content Placeholder 2"/>
+          <p:cNvSpPr>
+            <a:spLocks noGrp="1"/>
+          </p:cNvSpPr>
+          <p:nvPr>
+            <p:ph idx="1"/>
+          </p:nvPr>
+        </p:nvSpPr>
+        <p:spPr/>
+        <p:txBody>
+          <a:bodyPr>
+            <a:normAutofit/>
+          </a:bodyPr>
+          <a:lstStyle/>
+          <a:p>
+            <a:r>
+              <a:rPr lang="en-US" sz="1600" dirty="0" smtClean="0"/>
+              <a:t>Not sure how to group these countries, so let the computer do it.</a:t>
+            </a:r>
+          </a:p>
+          <a:p>
+            <a:pPr lvl="1"/>
+            <a:r>
+              <a:rPr lang="en-US" sz="1600" dirty="0" err="1" smtClean="0"/>
+              <a:t>Kmeans</a:t>
+            </a:r>
+            <a:r>
+              <a:rPr lang="en-US" sz="1600" dirty="0" smtClean="0"/>
+              <a:t> Clustering</a:t>
+            </a:r>
+          </a:p>
+          <a:p>
+            <a:pPr lvl="1"/>
+            <a:r>
+              <a:rPr lang="en-US" sz="1600" dirty="0" smtClean="0"/>
+              <a:t>Used proportion finalized domestically, proportion finalized abroad, median fees, average days to completion, and total number of adoptions.</a:t>
+            </a:r>
+            <a:endParaRPr lang="en-US" sz="1600" dirty="0"/>
+          </a:p>
+        </p:txBody>
+      </p:sp>
+      <p:pic>
+        <p:nvPicPr>
+          <p:cNvPr id="4" name="Picture 3"/>
+          <p:cNvPicPr>
+            <a:picLocks noChangeAspect="1"/>
+          </p:cNvPicPr>
+          <p:nvPr/>
+        </p:nvPicPr>
+        <p:blipFill>
+          <a:blip r:embed="rId2"/>
+          <a:stretch>
+            <a:fillRect/>
+          </a:stretch>
+        </p:blipFill>
+        <p:spPr>
+          <a:xfrm>
+            <a:off x="103162" y="3087833"/>
+            <a:ext cx="5522865" cy="3019166"/>
+          </a:xfrm>
+          <a:prstGeom prst="rect">
+            <a:avLst/>
+          </a:prstGeom>
+        </p:spPr>
+      </p:pic>
+      <p:sp>
+        <p:nvSpPr>
+          <p:cNvPr id="5" name="TextBox 4"/>
+          <p:cNvSpPr txBox="1"/>
+          <p:nvPr/>
+        </p:nvSpPr>
+        <p:spPr>
+          <a:xfrm>
+            <a:off x="6022033" y="3440948"/>
+            <a:ext cx="2569518" cy="1477328"/>
+          </a:xfrm>
+          <a:prstGeom prst="rect">
+            <a:avLst/>
+          </a:prstGeom>
+          <a:noFill/>
+        </p:spPr>
+        <p:txBody>
+          <a:bodyPr wrap="square" rtlCol="0">
+            <a:spAutoFit/>
+          </a:bodyPr>
+          <a:lstStyle/>
+          <a:p>
+            <a:r>
+              <a:rPr lang="en-US" dirty="0" smtClean="0"/>
+              <a:t>Calculated silhouette coefficients for a range of K. </a:t>
+            </a:r>
+          </a:p>
+          <a:p>
+            <a:r>
+              <a:rPr lang="en-US" dirty="0" smtClean="0"/>
+              <a:t>Recommended we use 5.</a:t>
+            </a:r>
+            <a:endParaRPr lang="en-US" dirty="0"/>
+          </a:p>
+        </p:txBody>
+      </p:sp>
+    </p:spTree>
+    <p:extLst>
+      <p:ext uri="{BB962C8B-B14F-4D97-AF65-F5344CB8AC3E}">
+        <p14:creationId xmlns:p14="http://schemas.microsoft.com/office/powerpoint/2010/main" val="2580639277"/>
       </p:ext>
     </p:extLst>
   </p:cSld>
